--- a/notes/notes/ds-algo/ch13-graph-basic.pptx
+++ b/notes/notes/ds-algo/ch13-graph-basic.pptx
@@ -218,7 +218,7 @@
           <a:p>
             <a:fld id="{9BFDADED-620D-D24E-82E2-96F000A12D1D}" type="datetimeFigureOut">
               <a:rPr lang="en-CN" smtClean="0"/>
-              <a:t>2024/1/26</a:t>
+              <a:t>2024/1/30</a:t>
             </a:fld>
             <a:endParaRPr lang="en-CN"/>
           </a:p>
@@ -1754,7 +1754,7 @@
           <a:p>
             <a:fld id="{58D30FAB-176C-8449-8796-69F8D9C85B57}" type="datetime1">
               <a:rPr lang="en-US" smtClean="0"/>
-              <a:t>1/26/24</a:t>
+              <a:t>1/30/24</a:t>
             </a:fld>
             <a:endParaRPr lang="en-CN"/>
           </a:p>
@@ -2965,7 +2965,7 @@
         </p:nvSpPr>
         <p:spPr>
           <a:xfrm>
-            <a:off x="5439905" y="1154323"/>
+            <a:off x="5439905" y="1154322"/>
             <a:ext cx="2030278" cy="2578531"/>
           </a:xfrm>
           <a:prstGeom prst="rect">

--- a/notes/notes/ds-algo/ch13-graph-basic.pptx
+++ b/notes/notes/ds-algo/ch13-graph-basic.pptx
@@ -218,7 +218,7 @@
           <a:p>
             <a:fld id="{9BFDADED-620D-D24E-82E2-96F000A12D1D}" type="datetimeFigureOut">
               <a:rPr lang="en-CN" smtClean="0"/>
-              <a:t>2024/1/30</a:t>
+              <a:t>2024/2/1</a:t>
             </a:fld>
             <a:endParaRPr lang="en-CN"/>
           </a:p>
@@ -1754,7 +1754,7 @@
           <a:p>
             <a:fld id="{58D30FAB-176C-8449-8796-69F8D9C85B57}" type="datetime1">
               <a:rPr lang="en-US" smtClean="0"/>
-              <a:t>1/30/24</a:t>
+              <a:t>2/1/24</a:t>
             </a:fld>
             <a:endParaRPr lang="en-CN"/>
           </a:p>
@@ -7736,6 +7736,106 @@
               <a:t>Sort)</a:t>
             </a:r>
             <a:endParaRPr kumimoji="1" lang="zh-CN" altLang="en-US" dirty="0"/>
+          </a:p>
+        </p:txBody>
+      </p:sp>
+      <p:sp>
+        <p:nvSpPr>
+          <p:cNvPr id="4" name="TextBox 3">
+            <a:extLst>
+              <a:ext uri="{FF2B5EF4-FFF2-40B4-BE49-F238E27FC236}">
+                <a16:creationId xmlns:a16="http://schemas.microsoft.com/office/drawing/2014/main" id="{7E32A9A7-7A69-5694-3614-62C88DB58B5D}"/>
+              </a:ext>
+            </a:extLst>
+          </p:cNvPr>
+          <p:cNvSpPr txBox="1"/>
+          <p:nvPr/>
+        </p:nvSpPr>
+        <p:spPr>
+          <a:xfrm>
+            <a:off x="778933" y="1332089"/>
+            <a:ext cx="6580648" cy="1200329"/>
+          </a:xfrm>
+          <a:prstGeom prst="rect">
+            <a:avLst/>
+          </a:prstGeom>
+          <a:noFill/>
+        </p:spPr>
+        <p:txBody>
+          <a:bodyPr wrap="none" rtlCol="0">
+            <a:spAutoFit/>
+          </a:bodyPr>
+          <a:lstStyle/>
+          <a:p>
+            <a:pPr algn="l"/>
+            <a:r>
+              <a:rPr kumimoji="1" lang="en-US" altLang="zh-CN" sz="2400" dirty="0"/>
+              <a:t>Idea:</a:t>
+            </a:r>
+          </a:p>
+          <a:p>
+            <a:pPr marL="342900" indent="-342900" algn="l">
+              <a:buFont typeface="Arial" panose="020B0604020202020204" pitchFamily="34" charset="0"/>
+              <a:buChar char="•"/>
+            </a:pPr>
+            <a:r>
+              <a:rPr kumimoji="1" lang="zh-CN" altLang="en-US" sz="2400" dirty="0"/>
+              <a:t>先 </a:t>
+            </a:r>
+            <a:r>
+              <a:rPr kumimoji="1" lang="en-US" altLang="zh-CN" sz="2400" dirty="0"/>
+              <a:t>“</a:t>
+            </a:r>
+            <a:r>
+              <a:rPr kumimoji="1" lang="zh-CN" altLang="en-US" sz="2400" dirty="0"/>
+              <a:t>学习</a:t>
+            </a:r>
+            <a:r>
+              <a:rPr kumimoji="1" lang="en-US" altLang="zh-CN" sz="2400" dirty="0"/>
+              <a:t>”</a:t>
+            </a:r>
+            <a:r>
+              <a:rPr kumimoji="1" lang="zh-CN" altLang="en-US" sz="2400" dirty="0"/>
+              <a:t> 没有前置课程的课程</a:t>
+            </a:r>
+            <a:r>
+              <a:rPr kumimoji="1" lang="en-US" altLang="zh-CN" sz="2400" dirty="0"/>
+              <a:t>(</a:t>
+            </a:r>
+            <a:r>
+              <a:rPr kumimoji="1" lang="zh-CN" altLang="en-US" sz="2400" dirty="0"/>
+              <a:t>没有入度</a:t>
+            </a:r>
+            <a:r>
+              <a:rPr kumimoji="1" lang="en-US" altLang="zh-CN" sz="2400" dirty="0"/>
+              <a:t>)</a:t>
+            </a:r>
+          </a:p>
+          <a:p>
+            <a:pPr marL="342900" indent="-342900" algn="l">
+              <a:buFont typeface="Arial" panose="020B0604020202020204" pitchFamily="34" charset="0"/>
+              <a:buChar char="•"/>
+            </a:pPr>
+            <a:r>
+              <a:rPr kumimoji="1" lang="zh-CN" altLang="en-US" sz="2400" dirty="0"/>
+              <a:t>然后</a:t>
+            </a:r>
+            <a:r>
+              <a:rPr kumimoji="1" lang="en-US" altLang="zh-CN" sz="2400" dirty="0"/>
+              <a:t>,</a:t>
+            </a:r>
+            <a:r>
+              <a:rPr kumimoji="1" lang="zh-CN" altLang="en-US" sz="2400" dirty="0"/>
+              <a:t> 去掉这些</a:t>
+            </a:r>
+            <a:r>
+              <a:rPr kumimoji="1" lang="en-US" altLang="zh-CN" sz="2400" dirty="0"/>
+              <a:t>,</a:t>
+            </a:r>
+            <a:r>
+              <a:rPr kumimoji="1" lang="zh-CN" altLang="en-US" sz="2400" dirty="0"/>
+              <a:t> 看看还有哪些节点没有入度</a:t>
+            </a:r>
           </a:p>
         </p:txBody>
       </p:sp>
